--- a/The Best Location for a Manhattan Coffee Stall.pptx
+++ b/The Best Location for a Manhattan Coffee Stall.pptx
@@ -111,13 +111,18 @@
       </a:defRPr>
     </a:lvl9pPr>
   </p:defaultTextStyle>
+  <p:extLst>
+    <p:ext uri="{EFAFB233-063F-42B5-8137-9DF3F51BA10A}">
+      <p15:sldGuideLst xmlns:p15="http://schemas.microsoft.com/office/powerpoint/2012/main"/>
+    </p:ext>
+  </p:extLst>
 </p:presentation>
 </file>
 
 <file path=ppt/revisionInfo.xml><?xml version="1.0" encoding="utf-8"?>
 <p1510:revInfo xmlns:a="http://schemas.openxmlformats.org/drawingml/2006/main" xmlns:r="http://schemas.openxmlformats.org/officeDocument/2006/relationships" xmlns:p1510="http://schemas.microsoft.com/office/powerpoint/2015/10/main">
   <p1510:revLst>
-    <p1510:client id="{CD32D736-20EB-4A1B-9F3B-D8B6477CFA5B}" v="110" dt="2020-08-30T21:06:09.752"/>
+    <p1510:client id="{CD32D736-20EB-4A1B-9F3B-D8B6477CFA5B}" v="113" dt="2020-08-30T22:22:44.516"/>
   </p1510:revLst>
 </p1510:revInfo>
 </file>
@@ -127,7 +132,7 @@
   <pc:docChgLst>
     <pc:chgData name="Paul Griffin" userId="f7fe41db-1c0a-4156-9609-6117ae8c77f4" providerId="ADAL" clId="{CD32D736-20EB-4A1B-9F3B-D8B6477CFA5B}"/>
     <pc:docChg chg="undo custSel mod addSld delSld modSld">
-      <pc:chgData name="Paul Griffin" userId="f7fe41db-1c0a-4156-9609-6117ae8c77f4" providerId="ADAL" clId="{CD32D736-20EB-4A1B-9F3B-D8B6477CFA5B}" dt="2020-08-30T21:20:12.728" v="1602" actId="27636"/>
+      <pc:chgData name="Paul Griffin" userId="f7fe41db-1c0a-4156-9609-6117ae8c77f4" providerId="ADAL" clId="{CD32D736-20EB-4A1B-9F3B-D8B6477CFA5B}" dt="2020-08-30T22:23:25.637" v="1705" actId="14100"/>
       <pc:docMkLst>
         <pc:docMk/>
       </pc:docMkLst>
@@ -222,6 +227,53 @@
           </ac:spMkLst>
         </pc:spChg>
       </pc:sldChg>
+      <pc:sldChg chg="addSp delSp modSp mod">
+        <pc:chgData name="Paul Griffin" userId="f7fe41db-1c0a-4156-9609-6117ae8c77f4" providerId="ADAL" clId="{CD32D736-20EB-4A1B-9F3B-D8B6477CFA5B}" dt="2020-08-30T22:21:00.757" v="1613" actId="14100"/>
+        <pc:sldMkLst>
+          <pc:docMk/>
+          <pc:sldMk cId="3026329135" sldId="261"/>
+        </pc:sldMkLst>
+        <pc:picChg chg="add mod">
+          <ac:chgData name="Paul Griffin" userId="f7fe41db-1c0a-4156-9609-6117ae8c77f4" providerId="ADAL" clId="{CD32D736-20EB-4A1B-9F3B-D8B6477CFA5B}" dt="2020-08-30T22:20:30.598" v="1606" actId="14100"/>
+          <ac:picMkLst>
+            <pc:docMk/>
+            <pc:sldMk cId="3026329135" sldId="261"/>
+            <ac:picMk id="3" creationId="{3B559A5E-53F2-4A1D-85B0-A89092AB233B}"/>
+          </ac:picMkLst>
+        </pc:picChg>
+        <pc:picChg chg="add mod">
+          <ac:chgData name="Paul Griffin" userId="f7fe41db-1c0a-4156-9609-6117ae8c77f4" providerId="ADAL" clId="{CD32D736-20EB-4A1B-9F3B-D8B6477CFA5B}" dt="2020-08-30T22:20:55.213" v="1611" actId="14100"/>
+          <ac:picMkLst>
+            <pc:docMk/>
+            <pc:sldMk cId="3026329135" sldId="261"/>
+            <ac:picMk id="4" creationId="{AE302111-FA35-427A-81FC-25034E182CEC}"/>
+          </ac:picMkLst>
+        </pc:picChg>
+        <pc:picChg chg="del">
+          <ac:chgData name="Paul Griffin" userId="f7fe41db-1c0a-4156-9609-6117ae8c77f4" providerId="ADAL" clId="{CD32D736-20EB-4A1B-9F3B-D8B6477CFA5B}" dt="2020-08-30T22:20:25.278" v="1604" actId="478"/>
+          <ac:picMkLst>
+            <pc:docMk/>
+            <pc:sldMk cId="3026329135" sldId="261"/>
+            <ac:picMk id="6" creationId="{B2DD0AB2-CA28-4D6D-A67B-C0422F9C060D}"/>
+          </ac:picMkLst>
+        </pc:picChg>
+        <pc:picChg chg="del">
+          <ac:chgData name="Paul Griffin" userId="f7fe41db-1c0a-4156-9609-6117ae8c77f4" providerId="ADAL" clId="{CD32D736-20EB-4A1B-9F3B-D8B6477CFA5B}" dt="2020-08-30T22:20:40.196" v="1608" actId="478"/>
+          <ac:picMkLst>
+            <pc:docMk/>
+            <pc:sldMk cId="3026329135" sldId="261"/>
+            <ac:picMk id="7" creationId="{AC4438CB-D20B-4010-BD6F-A1ED17628CAE}"/>
+          </ac:picMkLst>
+        </pc:picChg>
+        <pc:cxnChg chg="mod ord">
+          <ac:chgData name="Paul Griffin" userId="f7fe41db-1c0a-4156-9609-6117ae8c77f4" providerId="ADAL" clId="{CD32D736-20EB-4A1B-9F3B-D8B6477CFA5B}" dt="2020-08-30T22:21:00.757" v="1613" actId="14100"/>
+          <ac:cxnSpMkLst>
+            <pc:docMk/>
+            <pc:sldMk cId="3026329135" sldId="261"/>
+            <ac:cxnSpMk id="16" creationId="{30DB0CAC-A0FD-4D69-8351-760B7CDE7999}"/>
+          </ac:cxnSpMkLst>
+        </pc:cxnChg>
+      </pc:sldChg>
       <pc:sldChg chg="new del">
         <pc:chgData name="Paul Griffin" userId="f7fe41db-1c0a-4156-9609-6117ae8c77f4" providerId="ADAL" clId="{CD32D736-20EB-4A1B-9F3B-D8B6477CFA5B}" dt="2020-08-30T20:25:52.792" v="1" actId="47"/>
         <pc:sldMkLst>
@@ -277,7 +329,7 @@
         </pc:cxnChg>
       </pc:sldChg>
       <pc:sldChg chg="addSp delSp modSp add mod setBg setClrOvrMap delDesignElem">
-        <pc:chgData name="Paul Griffin" userId="f7fe41db-1c0a-4156-9609-6117ae8c77f4" providerId="ADAL" clId="{CD32D736-20EB-4A1B-9F3B-D8B6477CFA5B}" dt="2020-08-30T21:19:56.558" v="1593" actId="20577"/>
+        <pc:chgData name="Paul Griffin" userId="f7fe41db-1c0a-4156-9609-6117ae8c77f4" providerId="ADAL" clId="{CD32D736-20EB-4A1B-9F3B-D8B6477CFA5B}" dt="2020-08-30T22:23:25.637" v="1705" actId="14100"/>
         <pc:sldMkLst>
           <pc:docMk/>
           <pc:sldMk cId="4070735972" sldId="262"/>
@@ -291,7 +343,7 @@
           </ac:spMkLst>
         </pc:spChg>
         <pc:spChg chg="mod ord">
-          <ac:chgData name="Paul Griffin" userId="f7fe41db-1c0a-4156-9609-6117ae8c77f4" providerId="ADAL" clId="{CD32D736-20EB-4A1B-9F3B-D8B6477CFA5B}" dt="2020-08-30T21:19:56.558" v="1593" actId="20577"/>
+          <ac:chgData name="Paul Griffin" userId="f7fe41db-1c0a-4156-9609-6117ae8c77f4" providerId="ADAL" clId="{CD32D736-20EB-4A1B-9F3B-D8B6477CFA5B}" dt="2020-08-30T22:23:15.536" v="1702" actId="15"/>
           <ac:spMkLst>
             <pc:docMk/>
             <pc:sldMk cId="4070735972" sldId="262"/>
@@ -330,14 +382,30 @@
             <ac:spMk id="11" creationId="{EFFCBFD9-BE8B-4513-8B1D-D19F805EA0DF}"/>
           </ac:spMkLst>
         </pc:spChg>
-        <pc:picChg chg="add mod">
-          <ac:chgData name="Paul Griffin" userId="f7fe41db-1c0a-4156-9609-6117ae8c77f4" providerId="ADAL" clId="{CD32D736-20EB-4A1B-9F3B-D8B6477CFA5B}" dt="2020-08-30T20:35:04.391" v="249" actId="14100"/>
+        <pc:picChg chg="add del mod">
+          <ac:chgData name="Paul Griffin" userId="f7fe41db-1c0a-4156-9609-6117ae8c77f4" providerId="ADAL" clId="{CD32D736-20EB-4A1B-9F3B-D8B6477CFA5B}" dt="2020-08-30T22:21:13.017" v="1614" actId="478"/>
           <ac:picMkLst>
             <pc:docMk/>
             <pc:sldMk cId="4070735972" sldId="262"/>
             <ac:picMk id="4" creationId="{9E15E316-9134-41F1-B8CA-5B233C258C39}"/>
           </ac:picMkLst>
         </pc:picChg>
+        <pc:picChg chg="add">
+          <ac:chgData name="Paul Griffin" userId="f7fe41db-1c0a-4156-9609-6117ae8c77f4" providerId="ADAL" clId="{CD32D736-20EB-4A1B-9F3B-D8B6477CFA5B}" dt="2020-08-30T22:21:13.426" v="1615" actId="22"/>
+          <ac:picMkLst>
+            <pc:docMk/>
+            <pc:sldMk cId="4070735972" sldId="262"/>
+            <ac:picMk id="5" creationId="{BCFA7E63-0416-4C00-A0C8-72BCE1F40819}"/>
+          </ac:picMkLst>
+        </pc:picChg>
+        <pc:cxnChg chg="add mod">
+          <ac:chgData name="Paul Griffin" userId="f7fe41db-1c0a-4156-9609-6117ae8c77f4" providerId="ADAL" clId="{CD32D736-20EB-4A1B-9F3B-D8B6477CFA5B}" dt="2020-08-30T22:23:25.637" v="1705" actId="14100"/>
+          <ac:cxnSpMkLst>
+            <pc:docMk/>
+            <pc:sldMk cId="4070735972" sldId="262"/>
+            <ac:cxnSpMk id="10" creationId="{294BF0AF-DED8-4FBB-9724-49B16D53902F}"/>
+          </ac:cxnSpMkLst>
+        </pc:cxnChg>
         <pc:cxnChg chg="del">
           <ac:chgData name="Paul Griffin" userId="f7fe41db-1c0a-4156-9609-6117ae8c77f4" providerId="ADAL" clId="{CD32D736-20EB-4A1B-9F3B-D8B6477CFA5B}" dt="2020-08-30T20:26:04.044" v="9"/>
           <ac:cxnSpMkLst>
@@ -354,6 +422,22 @@
             <ac:cxnSpMk id="13" creationId="{292F8A50-4E5D-40E7-8E9C-0C63722D6F76}"/>
           </ac:cxnSpMkLst>
         </pc:cxnChg>
+        <pc:cxnChg chg="add mod">
+          <ac:chgData name="Paul Griffin" userId="f7fe41db-1c0a-4156-9609-6117ae8c77f4" providerId="ADAL" clId="{CD32D736-20EB-4A1B-9F3B-D8B6477CFA5B}" dt="2020-08-30T22:23:22.813" v="1704" actId="14100"/>
+          <ac:cxnSpMkLst>
+            <pc:docMk/>
+            <pc:sldMk cId="4070735972" sldId="262"/>
+            <ac:cxnSpMk id="14" creationId="{FAED6485-149F-452F-B8A3-6AE3CF5C34B4}"/>
+          </ac:cxnSpMkLst>
+        </pc:cxnChg>
+        <pc:cxnChg chg="add mod">
+          <ac:chgData name="Paul Griffin" userId="f7fe41db-1c0a-4156-9609-6117ae8c77f4" providerId="ADAL" clId="{CD32D736-20EB-4A1B-9F3B-D8B6477CFA5B}" dt="2020-08-30T22:23:21.133" v="1703" actId="14100"/>
+          <ac:cxnSpMkLst>
+            <pc:docMk/>
+            <pc:sldMk cId="4070735972" sldId="262"/>
+            <ac:cxnSpMk id="17" creationId="{308476C9-E583-47B2-8020-F60C0ADEB7BD}"/>
+          </ac:cxnSpMkLst>
+        </pc:cxnChg>
       </pc:sldChg>
       <pc:sldChg chg="new del">
         <pc:chgData name="Paul Griffin" userId="f7fe41db-1c0a-4156-9609-6117ae8c77f4" providerId="ADAL" clId="{CD32D736-20EB-4A1B-9F3B-D8B6477CFA5B}" dt="2020-08-30T20:27:07.673" v="109" actId="47"/>
@@ -363,7 +447,7 @@
         </pc:sldMkLst>
       </pc:sldChg>
       <pc:sldChg chg="addSp modSp add mod setBg setClrOvrMap">
-        <pc:chgData name="Paul Griffin" userId="f7fe41db-1c0a-4156-9609-6117ae8c77f4" providerId="ADAL" clId="{CD32D736-20EB-4A1B-9F3B-D8B6477CFA5B}" dt="2020-08-30T21:20:12.728" v="1602" actId="27636"/>
+        <pc:chgData name="Paul Griffin" userId="f7fe41db-1c0a-4156-9609-6117ae8c77f4" providerId="ADAL" clId="{CD32D736-20EB-4A1B-9F3B-D8B6477CFA5B}" dt="2020-08-30T22:23:01.731" v="1701" actId="15"/>
         <pc:sldMkLst>
           <pc:docMk/>
           <pc:sldMk cId="2760769926" sldId="263"/>
@@ -377,7 +461,7 @@
           </ac:spMkLst>
         </pc:spChg>
         <pc:spChg chg="mod">
-          <ac:chgData name="Paul Griffin" userId="f7fe41db-1c0a-4156-9609-6117ae8c77f4" providerId="ADAL" clId="{CD32D736-20EB-4A1B-9F3B-D8B6477CFA5B}" dt="2020-08-30T21:20:12.728" v="1602" actId="27636"/>
+          <ac:chgData name="Paul Griffin" userId="f7fe41db-1c0a-4156-9609-6117ae8c77f4" providerId="ADAL" clId="{CD32D736-20EB-4A1B-9F3B-D8B6477CFA5B}" dt="2020-08-30T22:23:01.731" v="1701" actId="15"/>
           <ac:spMkLst>
             <pc:docMk/>
             <pc:sldMk cId="2760769926" sldId="263"/>
@@ -6553,8 +6637,8 @@
           </a:ln>
         </p:spPr>
       </p:sp>
-      <mc:AlternateContent xmlns:mc="http://schemas.openxmlformats.org/markup-compatibility/2006">
-        <mc:Choice xmlns:a14="http://schemas.microsoft.com/office/drawing/2010/main" Requires="a14">
+      <mc:AlternateContent xmlns:mc="http://schemas.openxmlformats.org/markup-compatibility/2006" xmlns:a14="http://schemas.microsoft.com/office/drawing/2010/main">
+        <mc:Choice Requires="a14">
           <p:sp>
             <p:nvSpPr>
               <p:cNvPr id="3" name="Content Placeholder 2">
@@ -6814,7 +6898,7 @@
             </p:txBody>
           </p:sp>
         </mc:Choice>
-        <mc:Fallback>
+        <mc:Fallback xmlns="">
           <p:sp>
             <p:nvSpPr>
               <p:cNvPr id="3" name="Content Placeholder 2">
@@ -7424,16 +7508,14 @@
       </p:cxnSp>
       <p:pic>
         <p:nvPicPr>
-          <p:cNvPr id="6" name="Picture 5">
+          <p:cNvPr id="3" name="Picture 2">
             <a:extLst>
               <a:ext uri="{FF2B5EF4-FFF2-40B4-BE49-F238E27FC236}">
-                <a16:creationId xmlns:a16="http://schemas.microsoft.com/office/drawing/2014/main" id="{B2DD0AB2-CA28-4D6D-A67B-C0422F9C060D}"/>
+                <a16:creationId xmlns:a16="http://schemas.microsoft.com/office/drawing/2014/main" id="{3B559A5E-53F2-4A1D-85B0-A89092AB233B}"/>
               </a:ext>
             </a:extLst>
           </p:cNvPr>
-          <p:cNvPicPr>
-            <a:picLocks noChangeAspect="1"/>
-          </p:cNvPicPr>
+          <p:cNvPicPr/>
           <p:nvPr/>
         </p:nvPicPr>
         <p:blipFill>
@@ -7444,36 +7526,8 @@
         </p:blipFill>
         <p:spPr>
           <a:xfrm>
-            <a:off x="407988" y="1697326"/>
-            <a:ext cx="7869565" cy="4003959"/>
-          </a:xfrm>
-          <a:prstGeom prst="rect">
-            <a:avLst/>
-          </a:prstGeom>
-        </p:spPr>
-      </p:pic>
-      <p:pic>
-        <p:nvPicPr>
-          <p:cNvPr id="7" name="Picture 6">
-            <a:extLst>
-              <a:ext uri="{FF2B5EF4-FFF2-40B4-BE49-F238E27FC236}">
-                <a16:creationId xmlns:a16="http://schemas.microsoft.com/office/drawing/2014/main" id="{AC4438CB-D20B-4010-BD6F-A1ED17628CAE}"/>
-              </a:ext>
-            </a:extLst>
-          </p:cNvPr>
-          <p:cNvPicPr/>
-          <p:nvPr/>
-        </p:nvPicPr>
-        <p:blipFill>
-          <a:blip r:embed="rId3"/>
-          <a:stretch>
-            <a:fillRect/>
-          </a:stretch>
-        </p:blipFill>
-        <p:spPr>
-          <a:xfrm>
-            <a:off x="8781261" y="579437"/>
-            <a:ext cx="2907030" cy="5699125"/>
+            <a:off x="203994" y="1696720"/>
+            <a:ext cx="7761446" cy="4170997"/>
           </a:xfrm>
           <a:prstGeom prst="rect">
             <a:avLst/>
@@ -7496,8 +7550,8 @@
         </p:nvCxnSpPr>
         <p:spPr>
           <a:xfrm flipH="1">
-            <a:off x="3771900" y="790575"/>
-            <a:ext cx="5009361" cy="3562350"/>
+            <a:off x="3566160" y="1038451"/>
+            <a:ext cx="5442977" cy="3005229"/>
           </a:xfrm>
           <a:prstGeom prst="line">
             <a:avLst/>
@@ -7527,6 +7581,34 @@
           </a:fontRef>
         </p:style>
       </p:cxnSp>
+      <p:pic>
+        <p:nvPicPr>
+          <p:cNvPr id="4" name="Picture 3">
+            <a:extLst>
+              <a:ext uri="{FF2B5EF4-FFF2-40B4-BE49-F238E27FC236}">
+                <a16:creationId xmlns:a16="http://schemas.microsoft.com/office/drawing/2014/main" id="{AE302111-FA35-427A-81FC-25034E182CEC}"/>
+              </a:ext>
+            </a:extLst>
+          </p:cNvPr>
+          <p:cNvPicPr/>
+          <p:nvPr/>
+        </p:nvPicPr>
+        <p:blipFill>
+          <a:blip r:embed="rId3"/>
+          <a:stretch>
+            <a:fillRect/>
+          </a:stretch>
+        </p:blipFill>
+        <p:spPr>
+          <a:xfrm>
+            <a:off x="9009137" y="790575"/>
+            <a:ext cx="2900557" cy="5498463"/>
+          </a:xfrm>
+          <a:prstGeom prst="rect">
+            <a:avLst/>
+          </a:prstGeom>
+        </p:spPr>
+      </p:pic>
     </p:spTree>
     <p:extLst>
       <p:ext uri="{BB962C8B-B14F-4D97-AF65-F5344CB8AC3E}">
@@ -7660,213 +7742,6 @@
           </a:p>
         </p:txBody>
       </p:sp>
-      <p:pic>
-        <p:nvPicPr>
-          <p:cNvPr id="4" name="Picture 3">
-            <a:extLst>
-              <a:ext uri="{FF2B5EF4-FFF2-40B4-BE49-F238E27FC236}">
-                <a16:creationId xmlns:a16="http://schemas.microsoft.com/office/drawing/2014/main" id="{9E15E316-9134-41F1-B8CA-5B233C258C39}"/>
-              </a:ext>
-            </a:extLst>
-          </p:cNvPr>
-          <p:cNvPicPr>
-            <a:picLocks noChangeAspect="1"/>
-          </p:cNvPicPr>
-          <p:nvPr/>
-        </p:nvPicPr>
-        <p:blipFill>
-          <a:blip r:embed="rId2"/>
-          <a:stretch>
-            <a:fillRect/>
-          </a:stretch>
-        </p:blipFill>
-        <p:spPr>
-          <a:xfrm>
-            <a:off x="243588" y="1798355"/>
-            <a:ext cx="8208463" cy="4186316"/>
-          </a:xfrm>
-          <a:prstGeom prst="rect">
-            <a:avLst/>
-          </a:prstGeom>
-        </p:spPr>
-      </p:pic>
-      <p:sp>
-        <p:nvSpPr>
-          <p:cNvPr id="3" name="Content Placeholder 2">
-            <a:extLst>
-              <a:ext uri="{FF2B5EF4-FFF2-40B4-BE49-F238E27FC236}">
-                <a16:creationId xmlns:a16="http://schemas.microsoft.com/office/drawing/2014/main" id="{54A9B860-7FBE-4DDB-9E92-C228CEFD8F4A}"/>
-              </a:ext>
-            </a:extLst>
-          </p:cNvPr>
-          <p:cNvSpPr>
-            <a:spLocks noGrp="1"/>
-          </p:cNvSpPr>
-          <p:nvPr>
-            <p:ph idx="1"/>
-          </p:nvPr>
-        </p:nvSpPr>
-        <p:spPr>
-          <a:xfrm>
-            <a:off x="5276121" y="341167"/>
-            <a:ext cx="6711884" cy="4381143"/>
-          </a:xfrm>
-          <a:solidFill>
-            <a:schemeClr val="bg1"/>
-          </a:solidFill>
-        </p:spPr>
-        <p:txBody>
-          <a:bodyPr>
-            <a:normAutofit/>
-          </a:bodyPr>
-          <a:lstStyle/>
-          <a:p>
-            <a:pPr>
-              <a:spcAft>
-                <a:spcPts val="800"/>
-              </a:spcAft>
-            </a:pPr>
-            <a:r>
-              <a:rPr lang="en-GB" dirty="0">
-                <a:latin typeface="Calibri" panose="020F0502020204030204" pitchFamily="34" charset="0"/>
-                <a:ea typeface="Calibri" panose="020F0502020204030204" pitchFamily="34" charset="0"/>
-                <a:cs typeface="Times New Roman" panose="02020603050405020304" pitchFamily="18" charset="0"/>
-              </a:rPr>
-              <a:t>L</a:t>
-            </a:r>
-            <a:r>
-              <a:rPr lang="en-GB" dirty="0">
-                <a:effectLst/>
-                <a:latin typeface="Calibri" panose="020F0502020204030204" pitchFamily="34" charset="0"/>
-                <a:ea typeface="Calibri" panose="020F0502020204030204" pitchFamily="34" charset="0"/>
-                <a:cs typeface="Times New Roman" panose="02020603050405020304" pitchFamily="18" charset="0"/>
-              </a:rPr>
-              <a:t>ocations that scored over 7.5 are considered the most competitive out of the Manhattan foot traffic sampling locations</a:t>
-            </a:r>
-          </a:p>
-          <a:p>
-            <a:pPr marL="745236" lvl="1" indent="-342900">
-              <a:spcAft>
-                <a:spcPts val="800"/>
-              </a:spcAft>
-              <a:buFont typeface="+mj-lt"/>
-              <a:buAutoNum type="arabicPeriod"/>
-            </a:pPr>
-            <a:r>
-              <a:rPr lang="en-GB" dirty="0">
-                <a:effectLst/>
-                <a:latin typeface="Calibri" panose="020F0502020204030204" pitchFamily="34" charset="0"/>
-                <a:ea typeface="Calibri" panose="020F0502020204030204" pitchFamily="34" charset="0"/>
-                <a:cs typeface="Times New Roman" panose="02020603050405020304" pitchFamily="18" charset="0"/>
-              </a:rPr>
-              <a:t>West 34</a:t>
-            </a:r>
-            <a:r>
-              <a:rPr lang="en-GB" baseline="30000" dirty="0">
-                <a:effectLst/>
-                <a:latin typeface="Calibri" panose="020F0502020204030204" pitchFamily="34" charset="0"/>
-                <a:ea typeface="Calibri" panose="020F0502020204030204" pitchFamily="34" charset="0"/>
-                <a:cs typeface="Times New Roman" panose="02020603050405020304" pitchFamily="18" charset="0"/>
-              </a:rPr>
-              <a:t>th</a:t>
-            </a:r>
-            <a:r>
-              <a:rPr lang="en-GB" dirty="0">
-                <a:effectLst/>
-                <a:latin typeface="Calibri" panose="020F0502020204030204" pitchFamily="34" charset="0"/>
-                <a:ea typeface="Calibri" panose="020F0502020204030204" pitchFamily="34" charset="0"/>
-                <a:cs typeface="Times New Roman" panose="02020603050405020304" pitchFamily="18" charset="0"/>
-              </a:rPr>
-              <a:t> Street in Garment District</a:t>
-            </a:r>
-          </a:p>
-          <a:p>
-            <a:pPr marL="745236" lvl="1" indent="-342900">
-              <a:spcAft>
-                <a:spcPts val="800"/>
-              </a:spcAft>
-              <a:buFont typeface="+mj-lt"/>
-              <a:buAutoNum type="arabicPeriod"/>
-            </a:pPr>
-            <a:r>
-              <a:rPr lang="en-GB" dirty="0">
-                <a:effectLst/>
-                <a:latin typeface="Calibri" panose="020F0502020204030204" pitchFamily="34" charset="0"/>
-                <a:ea typeface="Calibri" panose="020F0502020204030204" pitchFamily="34" charset="0"/>
-                <a:cs typeface="Times New Roman" panose="02020603050405020304" pitchFamily="18" charset="0"/>
-              </a:rPr>
-              <a:t>Seventh Avenue in Hudson Yards</a:t>
-            </a:r>
-          </a:p>
-          <a:p>
-            <a:pPr marL="745236" lvl="1" indent="-342900">
-              <a:spcAft>
-                <a:spcPts val="800"/>
-              </a:spcAft>
-              <a:buFont typeface="+mj-lt"/>
-              <a:buAutoNum type="arabicPeriod"/>
-            </a:pPr>
-            <a:r>
-              <a:rPr lang="en-GB" dirty="0">
-                <a:effectLst/>
-                <a:latin typeface="Calibri" panose="020F0502020204030204" pitchFamily="34" charset="0"/>
-                <a:ea typeface="Calibri" panose="020F0502020204030204" pitchFamily="34" charset="0"/>
-                <a:cs typeface="Times New Roman" panose="02020603050405020304" pitchFamily="18" charset="0"/>
-              </a:rPr>
-              <a:t>Eighth Avenue in Theatre District</a:t>
-            </a:r>
-          </a:p>
-          <a:p>
-            <a:pPr>
-              <a:spcAft>
-                <a:spcPts val="800"/>
-              </a:spcAft>
-            </a:pPr>
-            <a:r>
-              <a:rPr lang="en-GB" dirty="0">
-                <a:effectLst/>
-                <a:latin typeface="Calibri" panose="020F0502020204030204" pitchFamily="34" charset="0"/>
-                <a:ea typeface="Calibri" panose="020F0502020204030204" pitchFamily="34" charset="0"/>
-                <a:cs typeface="Times New Roman" panose="02020603050405020304" pitchFamily="18" charset="0"/>
-              </a:rPr>
-              <a:t>Foot traffic sampling points appear to be concentrated in Mid and Lower Manhattan </a:t>
-            </a:r>
-            <a:r>
-              <a:rPr lang="en-GB" dirty="0">
-                <a:latin typeface="Calibri" panose="020F0502020204030204" pitchFamily="34" charset="0"/>
-                <a:ea typeface="Calibri" panose="020F0502020204030204" pitchFamily="34" charset="0"/>
-                <a:cs typeface="Times New Roman" panose="02020603050405020304" pitchFamily="18" charset="0"/>
-              </a:rPr>
-              <a:t>with Upper Manhattan underrepresented.</a:t>
-            </a:r>
-            <a:endParaRPr lang="en-GB" dirty="0">
-              <a:effectLst/>
-              <a:latin typeface="Calibri" panose="020F0502020204030204" pitchFamily="34" charset="0"/>
-              <a:ea typeface="Calibri" panose="020F0502020204030204" pitchFamily="34" charset="0"/>
-              <a:cs typeface="Times New Roman" panose="02020603050405020304" pitchFamily="18" charset="0"/>
-            </a:endParaRPr>
-          </a:p>
-          <a:p>
-            <a:pPr>
-              <a:spcAft>
-                <a:spcPts val="800"/>
-              </a:spcAft>
-            </a:pPr>
-            <a:endParaRPr lang="en-GB" dirty="0">
-              <a:effectLst/>
-              <a:latin typeface="Calibri" panose="020F0502020204030204" pitchFamily="34" charset="0"/>
-              <a:ea typeface="Calibri" panose="020F0502020204030204" pitchFamily="34" charset="0"/>
-              <a:cs typeface="Times New Roman" panose="02020603050405020304" pitchFamily="18" charset="0"/>
-            </a:endParaRPr>
-          </a:p>
-          <a:p>
-            <a:pPr marL="0" indent="0">
-              <a:buNone/>
-            </a:pPr>
-            <a:endParaRPr lang="en-GB" dirty="0"/>
-          </a:p>
-        </p:txBody>
-      </p:sp>
       <p:sp>
         <p:nvSpPr>
           <p:cNvPr id="11" name="Freeform 6">
@@ -8130,6 +8005,408 @@
           </a:fillRef>
           <a:effectRef idx="0">
             <a:schemeClr val="accent1"/>
+          </a:effectRef>
+          <a:fontRef idx="minor">
+            <a:schemeClr val="tx1"/>
+          </a:fontRef>
+        </p:style>
+      </p:cxnSp>
+      <p:pic>
+        <p:nvPicPr>
+          <p:cNvPr id="5" name="Picture 4">
+            <a:extLst>
+              <a:ext uri="{FF2B5EF4-FFF2-40B4-BE49-F238E27FC236}">
+                <a16:creationId xmlns:a16="http://schemas.microsoft.com/office/drawing/2014/main" id="{BCFA7E63-0416-4C00-A0C8-72BCE1F40819}"/>
+              </a:ext>
+            </a:extLst>
+          </p:cNvPr>
+          <p:cNvPicPr/>
+          <p:nvPr/>
+        </p:nvPicPr>
+        <p:blipFill>
+          <a:blip r:embed="rId2"/>
+          <a:stretch>
+            <a:fillRect/>
+          </a:stretch>
+        </p:blipFill>
+        <p:spPr>
+          <a:xfrm>
+            <a:off x="203994" y="1696720"/>
+            <a:ext cx="7761446" cy="4170997"/>
+          </a:xfrm>
+          <a:prstGeom prst="rect">
+            <a:avLst/>
+          </a:prstGeom>
+        </p:spPr>
+      </p:pic>
+      <p:sp>
+        <p:nvSpPr>
+          <p:cNvPr id="3" name="Content Placeholder 2">
+            <a:extLst>
+              <a:ext uri="{FF2B5EF4-FFF2-40B4-BE49-F238E27FC236}">
+                <a16:creationId xmlns:a16="http://schemas.microsoft.com/office/drawing/2014/main" id="{54A9B860-7FBE-4DDB-9E92-C228CEFD8F4A}"/>
+              </a:ext>
+            </a:extLst>
+          </p:cNvPr>
+          <p:cNvSpPr>
+            <a:spLocks noGrp="1"/>
+          </p:cNvSpPr>
+          <p:nvPr>
+            <p:ph idx="1"/>
+          </p:nvPr>
+        </p:nvSpPr>
+        <p:spPr>
+          <a:xfrm>
+            <a:off x="5667375" y="341168"/>
+            <a:ext cx="6320630" cy="5858562"/>
+          </a:xfrm>
+          <a:solidFill>
+            <a:schemeClr val="bg1"/>
+          </a:solidFill>
+        </p:spPr>
+        <p:txBody>
+          <a:bodyPr>
+            <a:normAutofit/>
+          </a:bodyPr>
+          <a:lstStyle/>
+          <a:p>
+            <a:pPr>
+              <a:spcAft>
+                <a:spcPts val="800"/>
+              </a:spcAft>
+            </a:pPr>
+            <a:r>
+              <a:rPr lang="en-GB" dirty="0">
+                <a:latin typeface="Calibri" panose="020F0502020204030204" pitchFamily="34" charset="0"/>
+                <a:ea typeface="Calibri" panose="020F0502020204030204" pitchFamily="34" charset="0"/>
+                <a:cs typeface="Times New Roman" panose="02020603050405020304" pitchFamily="18" charset="0"/>
+              </a:rPr>
+              <a:t>L</a:t>
+            </a:r>
+            <a:r>
+              <a:rPr lang="en-GB" dirty="0">
+                <a:effectLst/>
+                <a:latin typeface="Calibri" panose="020F0502020204030204" pitchFamily="34" charset="0"/>
+                <a:ea typeface="Calibri" panose="020F0502020204030204" pitchFamily="34" charset="0"/>
+                <a:cs typeface="Times New Roman" panose="02020603050405020304" pitchFamily="18" charset="0"/>
+              </a:rPr>
+              <a:t>ocations that scored over 7.5 are considered the most competitive out of the Manhattan foot traffic sampling locations</a:t>
+            </a:r>
+          </a:p>
+          <a:p>
+            <a:pPr marL="745236" lvl="1" indent="-342900">
+              <a:lnSpc>
+                <a:spcPct val="107000"/>
+              </a:lnSpc>
+              <a:buFont typeface="+mj-lt"/>
+              <a:buAutoNum type="arabicPeriod"/>
+            </a:pPr>
+            <a:r>
+              <a:rPr lang="en-GB" sz="1600" dirty="0">
+                <a:effectLst/>
+                <a:latin typeface="Calibri" panose="020F0502020204030204" pitchFamily="34" charset="0"/>
+                <a:ea typeface="Calibri" panose="020F0502020204030204" pitchFamily="34" charset="0"/>
+                <a:cs typeface="Times New Roman" panose="02020603050405020304" pitchFamily="18" charset="0"/>
+              </a:rPr>
+              <a:t>Eighth Avenue in Theatre District</a:t>
+            </a:r>
+          </a:p>
+          <a:p>
+            <a:pPr marL="745236" lvl="1" indent="-342900">
+              <a:lnSpc>
+                <a:spcPct val="107000"/>
+              </a:lnSpc>
+              <a:buFont typeface="+mj-lt"/>
+              <a:buAutoNum type="arabicPeriod"/>
+            </a:pPr>
+            <a:r>
+              <a:rPr lang="en-GB" sz="1600" dirty="0">
+                <a:effectLst/>
+                <a:latin typeface="Calibri" panose="020F0502020204030204" pitchFamily="34" charset="0"/>
+                <a:ea typeface="Calibri" panose="020F0502020204030204" pitchFamily="34" charset="0"/>
+                <a:cs typeface="Times New Roman" panose="02020603050405020304" pitchFamily="18" charset="0"/>
+              </a:rPr>
+              <a:t>Fifth Avenue in Midtown</a:t>
+            </a:r>
+          </a:p>
+          <a:p>
+            <a:pPr marL="745236" lvl="1" indent="-342900">
+              <a:lnSpc>
+                <a:spcPct val="107000"/>
+              </a:lnSpc>
+              <a:buFont typeface="+mj-lt"/>
+              <a:buAutoNum type="arabicPeriod"/>
+            </a:pPr>
+            <a:r>
+              <a:rPr lang="en-GB" sz="1600" dirty="0">
+                <a:effectLst/>
+                <a:latin typeface="Calibri" panose="020F0502020204030204" pitchFamily="34" charset="0"/>
+                <a:ea typeface="Calibri" panose="020F0502020204030204" pitchFamily="34" charset="0"/>
+                <a:cs typeface="Times New Roman" panose="02020603050405020304" pitchFamily="18" charset="0"/>
+              </a:rPr>
+              <a:t>West 34</a:t>
+            </a:r>
+            <a:r>
+              <a:rPr lang="en-GB" sz="1600" baseline="30000" dirty="0">
+                <a:effectLst/>
+                <a:latin typeface="Calibri" panose="020F0502020204030204" pitchFamily="34" charset="0"/>
+                <a:ea typeface="Calibri" panose="020F0502020204030204" pitchFamily="34" charset="0"/>
+                <a:cs typeface="Times New Roman" panose="02020603050405020304" pitchFamily="18" charset="0"/>
+              </a:rPr>
+              <a:t>th</a:t>
+            </a:r>
+            <a:r>
+              <a:rPr lang="en-GB" sz="1600" dirty="0">
+                <a:effectLst/>
+                <a:latin typeface="Calibri" panose="020F0502020204030204" pitchFamily="34" charset="0"/>
+                <a:ea typeface="Calibri" panose="020F0502020204030204" pitchFamily="34" charset="0"/>
+                <a:cs typeface="Times New Roman" panose="02020603050405020304" pitchFamily="18" charset="0"/>
+              </a:rPr>
+              <a:t> Avenue in Garment District</a:t>
+            </a:r>
+          </a:p>
+          <a:p>
+            <a:pPr marL="745236" lvl="1" indent="-342900">
+              <a:lnSpc>
+                <a:spcPct val="107000"/>
+              </a:lnSpc>
+              <a:spcAft>
+                <a:spcPts val="800"/>
+              </a:spcAft>
+              <a:buFont typeface="+mj-lt"/>
+              <a:buAutoNum type="arabicPeriod"/>
+            </a:pPr>
+            <a:r>
+              <a:rPr lang="en-GB" sz="1600" dirty="0">
+                <a:effectLst/>
+                <a:latin typeface="Calibri" panose="020F0502020204030204" pitchFamily="34" charset="0"/>
+                <a:ea typeface="Calibri" panose="020F0502020204030204" pitchFamily="34" charset="0"/>
+                <a:cs typeface="Times New Roman" panose="02020603050405020304" pitchFamily="18" charset="0"/>
+              </a:rPr>
+              <a:t>West 125</a:t>
+            </a:r>
+            <a:r>
+              <a:rPr lang="en-GB" sz="1600" baseline="30000" dirty="0">
+                <a:effectLst/>
+                <a:latin typeface="Calibri" panose="020F0502020204030204" pitchFamily="34" charset="0"/>
+                <a:ea typeface="Calibri" panose="020F0502020204030204" pitchFamily="34" charset="0"/>
+                <a:cs typeface="Times New Roman" panose="02020603050405020304" pitchFamily="18" charset="0"/>
+              </a:rPr>
+              <a:t>th</a:t>
+            </a:r>
+            <a:r>
+              <a:rPr lang="en-GB" sz="1600" dirty="0">
+                <a:effectLst/>
+                <a:latin typeface="Calibri" panose="020F0502020204030204" pitchFamily="34" charset="0"/>
+                <a:ea typeface="Calibri" panose="020F0502020204030204" pitchFamily="34" charset="0"/>
+                <a:cs typeface="Times New Roman" panose="02020603050405020304" pitchFamily="18" charset="0"/>
+              </a:rPr>
+              <a:t> Street in Harlem</a:t>
+            </a:r>
+          </a:p>
+          <a:p>
+            <a:pPr>
+              <a:spcAft>
+                <a:spcPts val="800"/>
+              </a:spcAft>
+            </a:pPr>
+            <a:r>
+              <a:rPr lang="en-GB" dirty="0">
+                <a:effectLst/>
+                <a:latin typeface="Calibri" panose="020F0502020204030204" pitchFamily="34" charset="0"/>
+                <a:ea typeface="Calibri" panose="020F0502020204030204" pitchFamily="34" charset="0"/>
+                <a:cs typeface="Times New Roman" panose="02020603050405020304" pitchFamily="18" charset="0"/>
+              </a:rPr>
+              <a:t>Foot traffic sampling points appear to be concentrated in Mid and Lower Manhattan </a:t>
+            </a:r>
+          </a:p>
+          <a:p>
+            <a:pPr>
+              <a:spcAft>
+                <a:spcPts val="800"/>
+              </a:spcAft>
+            </a:pPr>
+            <a:r>
+              <a:rPr lang="en-GB" dirty="0">
+                <a:latin typeface="Calibri" panose="020F0502020204030204" pitchFamily="34" charset="0"/>
+                <a:ea typeface="Calibri" panose="020F0502020204030204" pitchFamily="34" charset="0"/>
+                <a:cs typeface="Times New Roman" panose="02020603050405020304" pitchFamily="18" charset="0"/>
+              </a:rPr>
+              <a:t>Upper Manhattan underrepresented.</a:t>
+            </a:r>
+          </a:p>
+          <a:p>
+            <a:pPr>
+              <a:spcAft>
+                <a:spcPts val="800"/>
+              </a:spcAft>
+            </a:pPr>
+            <a:r>
+              <a:rPr lang="en-GB" dirty="0">
+                <a:effectLst/>
+                <a:latin typeface="Calibri" panose="020F0502020204030204" pitchFamily="34" charset="0"/>
+                <a:ea typeface="Calibri" panose="020F0502020204030204" pitchFamily="34" charset="0"/>
+                <a:cs typeface="Times New Roman" panose="02020603050405020304" pitchFamily="18" charset="0"/>
+              </a:rPr>
+              <a:t>Midtown Manhattan has a cluster of competitive locations</a:t>
+            </a:r>
+          </a:p>
+          <a:p>
+            <a:pPr>
+              <a:spcAft>
+                <a:spcPts val="800"/>
+              </a:spcAft>
+            </a:pPr>
+            <a:endParaRPr lang="en-GB" dirty="0">
+              <a:effectLst/>
+              <a:latin typeface="Calibri" panose="020F0502020204030204" pitchFamily="34" charset="0"/>
+              <a:ea typeface="Calibri" panose="020F0502020204030204" pitchFamily="34" charset="0"/>
+              <a:cs typeface="Times New Roman" panose="02020603050405020304" pitchFamily="18" charset="0"/>
+            </a:endParaRPr>
+          </a:p>
+          <a:p>
+            <a:pPr marL="0" indent="0">
+              <a:buNone/>
+            </a:pPr>
+            <a:endParaRPr lang="en-GB" dirty="0"/>
+          </a:p>
+        </p:txBody>
+      </p:sp>
+      <p:cxnSp>
+        <p:nvCxnSpPr>
+          <p:cNvPr id="10" name="Straight Connector 9">
+            <a:extLst>
+              <a:ext uri="{FF2B5EF4-FFF2-40B4-BE49-F238E27FC236}">
+                <a16:creationId xmlns:a16="http://schemas.microsoft.com/office/drawing/2014/main" id="{294BF0AF-DED8-4FBB-9724-49B16D53902F}"/>
+              </a:ext>
+            </a:extLst>
+          </p:cNvPr>
+          <p:cNvCxnSpPr>
+            <a:cxnSpLocks/>
+          </p:cNvCxnSpPr>
+          <p:nvPr/>
+        </p:nvCxnSpPr>
+        <p:spPr>
+          <a:xfrm flipH="1">
+            <a:off x="3924300" y="3429000"/>
+            <a:ext cx="1857375" cy="628650"/>
+          </a:xfrm>
+          <a:prstGeom prst="line">
+            <a:avLst/>
+          </a:prstGeom>
+          <a:ln w="38100" cap="flat" cmpd="sng" algn="ctr">
+            <a:solidFill>
+              <a:schemeClr val="accent2"/>
+            </a:solidFill>
+            <a:prstDash val="solid"/>
+            <a:round/>
+            <a:headEnd type="none" w="med" len="med"/>
+            <a:tailEnd type="arrow" w="med" len="med"/>
+          </a:ln>
+        </p:spPr>
+        <p:style>
+          <a:lnRef idx="0">
+            <a:scrgbClr r="0" g="0" b="0"/>
+          </a:lnRef>
+          <a:fillRef idx="0">
+            <a:scrgbClr r="0" g="0" b="0"/>
+          </a:fillRef>
+          <a:effectRef idx="0">
+            <a:scrgbClr r="0" g="0" b="0"/>
+          </a:effectRef>
+          <a:fontRef idx="minor">
+            <a:schemeClr val="tx1"/>
+          </a:fontRef>
+        </p:style>
+      </p:cxnSp>
+      <p:cxnSp>
+        <p:nvCxnSpPr>
+          <p:cNvPr id="14" name="Straight Connector 13">
+            <a:extLst>
+              <a:ext uri="{FF2B5EF4-FFF2-40B4-BE49-F238E27FC236}">
+                <a16:creationId xmlns:a16="http://schemas.microsoft.com/office/drawing/2014/main" id="{FAED6485-149F-452F-B8A3-6AE3CF5C34B4}"/>
+              </a:ext>
+            </a:extLst>
+          </p:cNvPr>
+          <p:cNvCxnSpPr>
+            <a:cxnSpLocks/>
+          </p:cNvCxnSpPr>
+          <p:nvPr/>
+        </p:nvCxnSpPr>
+        <p:spPr>
+          <a:xfrm flipH="1" flipV="1">
+            <a:off x="4505327" y="2419351"/>
+            <a:ext cx="1276348" cy="1904999"/>
+          </a:xfrm>
+          <a:prstGeom prst="line">
+            <a:avLst/>
+          </a:prstGeom>
+          <a:ln w="38100" cap="flat" cmpd="sng" algn="ctr">
+            <a:solidFill>
+              <a:schemeClr val="accent2"/>
+            </a:solidFill>
+            <a:prstDash val="solid"/>
+            <a:round/>
+            <a:headEnd type="none" w="med" len="med"/>
+            <a:tailEnd type="arrow" w="med" len="med"/>
+          </a:ln>
+        </p:spPr>
+        <p:style>
+          <a:lnRef idx="0">
+            <a:scrgbClr r="0" g="0" b="0"/>
+          </a:lnRef>
+          <a:fillRef idx="0">
+            <a:scrgbClr r="0" g="0" b="0"/>
+          </a:fillRef>
+          <a:effectRef idx="0">
+            <a:scrgbClr r="0" g="0" b="0"/>
+          </a:effectRef>
+          <a:fontRef idx="minor">
+            <a:schemeClr val="tx1"/>
+          </a:fontRef>
+        </p:style>
+      </p:cxnSp>
+      <p:cxnSp>
+        <p:nvCxnSpPr>
+          <p:cNvPr id="17" name="Straight Connector 16">
+            <a:extLst>
+              <a:ext uri="{FF2B5EF4-FFF2-40B4-BE49-F238E27FC236}">
+                <a16:creationId xmlns:a16="http://schemas.microsoft.com/office/drawing/2014/main" id="{308476C9-E583-47B2-8020-F60C0ADEB7BD}"/>
+              </a:ext>
+            </a:extLst>
+          </p:cNvPr>
+          <p:cNvCxnSpPr>
+            <a:cxnSpLocks/>
+          </p:cNvCxnSpPr>
+          <p:nvPr/>
+        </p:nvCxnSpPr>
+        <p:spPr>
+          <a:xfrm flipH="1" flipV="1">
+            <a:off x="3629025" y="4252045"/>
+            <a:ext cx="2152650" cy="662855"/>
+          </a:xfrm>
+          <a:prstGeom prst="line">
+            <a:avLst/>
+          </a:prstGeom>
+          <a:ln w="38100" cap="flat" cmpd="sng" algn="ctr">
+            <a:solidFill>
+              <a:schemeClr val="accent2"/>
+            </a:solidFill>
+            <a:prstDash val="solid"/>
+            <a:round/>
+            <a:headEnd type="none" w="med" len="med"/>
+            <a:tailEnd type="arrow" w="med" len="med"/>
+          </a:ln>
+        </p:spPr>
+        <p:style>
+          <a:lnRef idx="0">
+            <a:scrgbClr r="0" g="0" b="0"/>
+          </a:lnRef>
+          <a:fillRef idx="0">
+            <a:scrgbClr r="0" g="0" b="0"/>
+          </a:fillRef>
+          <a:effectRef idx="0">
+            <a:scrgbClr r="0" g="0" b="0"/>
           </a:effectRef>
           <a:fontRef idx="minor">
             <a:schemeClr val="tx1"/>
@@ -8614,7 +8891,7 @@
         </p:spPr>
         <p:txBody>
           <a:bodyPr anchor="ctr">
-            <a:normAutofit fontScale="77500" lnSpcReduction="20000"/>
+            <a:normAutofit fontScale="70000" lnSpcReduction="20000"/>
           </a:bodyPr>
           <a:lstStyle/>
           <a:p>
@@ -8666,31 +8943,13 @@
               <a:buAutoNum type="arabicPeriod"/>
             </a:pPr>
             <a:r>
-              <a:rPr lang="en-GB" sz="2300" dirty="0">
+              <a:rPr lang="en-GB" sz="2200" dirty="0">
                 <a:effectLst/>
                 <a:latin typeface="Calibri" panose="020F0502020204030204" pitchFamily="34" charset="0"/>
                 <a:ea typeface="Calibri" panose="020F0502020204030204" pitchFamily="34" charset="0"/>
                 <a:cs typeface="Times New Roman" panose="02020603050405020304" pitchFamily="18" charset="0"/>
               </a:rPr>
-              <a:t>West 34</a:t>
-            </a:r>
-            <a:r>
-              <a:rPr lang="en-GB" sz="2300" baseline="30000" dirty="0">
-                <a:effectLst/>
-                <a:latin typeface="Calibri" panose="020F0502020204030204" pitchFamily="34" charset="0"/>
-                <a:ea typeface="Calibri" panose="020F0502020204030204" pitchFamily="34" charset="0"/>
-                <a:cs typeface="Times New Roman" panose="02020603050405020304" pitchFamily="18" charset="0"/>
-              </a:rPr>
-              <a:t>th</a:t>
-            </a:r>
-            <a:r>
-              <a:rPr lang="en-GB" sz="2300" dirty="0">
-                <a:effectLst/>
-                <a:latin typeface="Calibri" panose="020F0502020204030204" pitchFamily="34" charset="0"/>
-                <a:ea typeface="Calibri" panose="020F0502020204030204" pitchFamily="34" charset="0"/>
-                <a:cs typeface="Times New Roman" panose="02020603050405020304" pitchFamily="18" charset="0"/>
-              </a:rPr>
-              <a:t> Street in Garment District</a:t>
+              <a:t>Eighth Avenue in Theatre District</a:t>
             </a:r>
           </a:p>
           <a:p>
@@ -8702,13 +8961,49 @@
               <a:buAutoNum type="arabicPeriod"/>
             </a:pPr>
             <a:r>
-              <a:rPr lang="en-GB" sz="2300" dirty="0">
+              <a:rPr lang="en-GB" sz="2200" dirty="0">
                 <a:effectLst/>
                 <a:latin typeface="Calibri" panose="020F0502020204030204" pitchFamily="34" charset="0"/>
                 <a:ea typeface="Calibri" panose="020F0502020204030204" pitchFamily="34" charset="0"/>
                 <a:cs typeface="Times New Roman" panose="02020603050405020304" pitchFamily="18" charset="0"/>
               </a:rPr>
-              <a:t>Seventh Avenue in Hudson Yards</a:t>
+              <a:t>Fifth Avenue in Midtown</a:t>
+            </a:r>
+          </a:p>
+          <a:p>
+            <a:pPr marL="745236" lvl="1" indent="-342900">
+              <a:lnSpc>
+                <a:spcPct val="107000"/>
+              </a:lnSpc>
+              <a:buFont typeface="+mj-lt"/>
+              <a:buAutoNum type="arabicPeriod"/>
+            </a:pPr>
+            <a:r>
+              <a:rPr lang="en-GB" sz="2200" dirty="0">
+                <a:effectLst/>
+                <a:latin typeface="Calibri" panose="020F0502020204030204" pitchFamily="34" charset="0"/>
+                <a:ea typeface="Calibri" panose="020F0502020204030204" pitchFamily="34" charset="0"/>
+                <a:cs typeface="Times New Roman" panose="02020603050405020304" pitchFamily="18" charset="0"/>
+              </a:rPr>
+              <a:t>West 34</a:t>
+            </a:r>
+            <a:r>
+              <a:rPr lang="en-GB" sz="2200" baseline="30000" dirty="0">
+                <a:effectLst/>
+                <a:latin typeface="Calibri" panose="020F0502020204030204" pitchFamily="34" charset="0"/>
+                <a:ea typeface="Calibri" panose="020F0502020204030204" pitchFamily="34" charset="0"/>
+                <a:cs typeface="Times New Roman" panose="02020603050405020304" pitchFamily="18" charset="0"/>
+              </a:rPr>
+              <a:t>th</a:t>
+            </a:r>
+            <a:r>
+              <a:rPr lang="en-GB" sz="2200" dirty="0">
+                <a:effectLst/>
+                <a:latin typeface="Calibri" panose="020F0502020204030204" pitchFamily="34" charset="0"/>
+                <a:ea typeface="Calibri" panose="020F0502020204030204" pitchFamily="34" charset="0"/>
+                <a:cs typeface="Times New Roman" panose="02020603050405020304" pitchFamily="18" charset="0"/>
+              </a:rPr>
+              <a:t> Avenue in Garment District</a:t>
             </a:r>
           </a:p>
           <a:p>
@@ -8723,13 +9018,31 @@
               <a:buAutoNum type="arabicPeriod"/>
             </a:pPr>
             <a:r>
-              <a:rPr lang="en-GB" sz="2300" dirty="0">
+              <a:rPr lang="en-GB" sz="2200" dirty="0">
                 <a:effectLst/>
                 <a:latin typeface="Calibri" panose="020F0502020204030204" pitchFamily="34" charset="0"/>
                 <a:ea typeface="Calibri" panose="020F0502020204030204" pitchFamily="34" charset="0"/>
                 <a:cs typeface="Times New Roman" panose="02020603050405020304" pitchFamily="18" charset="0"/>
               </a:rPr>
-              <a:t>Eighth Avenue in Theatre District</a:t>
+              <a:t>West 125</a:t>
+            </a:r>
+            <a:r>
+              <a:rPr lang="en-GB" sz="2200" baseline="30000" dirty="0">
+                <a:effectLst/>
+                <a:latin typeface="Calibri" panose="020F0502020204030204" pitchFamily="34" charset="0"/>
+                <a:ea typeface="Calibri" panose="020F0502020204030204" pitchFamily="34" charset="0"/>
+                <a:cs typeface="Times New Roman" panose="02020603050405020304" pitchFamily="18" charset="0"/>
+              </a:rPr>
+              <a:t>th</a:t>
+            </a:r>
+            <a:r>
+              <a:rPr lang="en-GB" sz="2200" dirty="0">
+                <a:effectLst/>
+                <a:latin typeface="Calibri" panose="020F0502020204030204" pitchFamily="34" charset="0"/>
+                <a:ea typeface="Calibri" panose="020F0502020204030204" pitchFamily="34" charset="0"/>
+                <a:cs typeface="Times New Roman" panose="02020603050405020304" pitchFamily="18" charset="0"/>
+              </a:rPr>
+              <a:t> Street in Harlem</a:t>
             </a:r>
           </a:p>
           <a:p>
